--- a/presentations/Final-Presentation.pptx
+++ b/presentations/Final-Presentation.pptx
@@ -5,7 +5,7 @@
     <p:sldMasterId id="2147483840" r:id="rId1"/>
   </p:sldMasterIdLst>
   <p:notesMasterIdLst>
-    <p:notesMasterId r:id="rId22"/>
+    <p:notesMasterId r:id="rId23"/>
   </p:notesMasterIdLst>
   <p:sldIdLst>
     <p:sldId id="256" r:id="rId2"/>
@@ -26,8 +26,9 @@
     <p:sldId id="270" r:id="rId17"/>
     <p:sldId id="271" r:id="rId18"/>
     <p:sldId id="272" r:id="rId19"/>
-    <p:sldId id="273" r:id="rId20"/>
-    <p:sldId id="274" r:id="rId21"/>
+    <p:sldId id="276" r:id="rId20"/>
+    <p:sldId id="273" r:id="rId21"/>
+    <p:sldId id="274" r:id="rId22"/>
   </p:sldIdLst>
   <p:sldSz cx="12192000" cy="6858000"/>
   <p:notesSz cx="6858000" cy="9144000"/>
@@ -126,6 +127,11 @@
       </a:defRPr>
     </a:lvl9pPr>
   </p:defaultTextStyle>
+  <p:extLst>
+    <p:ext uri="{EFAFB233-063F-42B5-8137-9DF3F51BA10A}">
+      <p15:sldGuideLst xmlns:p15="http://schemas.microsoft.com/office/powerpoint/2012/main"/>
+    </p:ext>
+  </p:extLst>
 </p:presentation>
 </file>
 
@@ -13499,13 +13505,13 @@
   <p:clrMapOvr>
     <a:masterClrMapping/>
   </p:clrMapOvr>
-  <mc:AlternateContent xmlns:mc="http://schemas.openxmlformats.org/markup-compatibility/2006">
-    <mc:Choice xmlns:p15="http://schemas.microsoft.com/office/powerpoint/2012/main" Requires="p15">
+  <mc:AlternateContent xmlns:mc="http://schemas.openxmlformats.org/markup-compatibility/2006" xmlns:p15="http://schemas.microsoft.com/office/powerpoint/2012/main">
+    <mc:Choice Requires="p15">
       <p:transition xmlns:p14="http://schemas.microsoft.com/office/powerpoint/2010/main" spd="slow" p14:dur="1250">
         <p15:prstTrans prst="pageCurlDouble"/>
       </p:transition>
     </mc:Choice>
-    <mc:Fallback>
+    <mc:Fallback xmlns="">
       <p:transition spd="slow">
         <p:fade/>
       </p:transition>
@@ -21763,7 +21769,7 @@
           <p:cNvPr id="2" name="Title 1">
             <a:extLst>
               <a:ext uri="{FF2B5EF4-FFF2-40B4-BE49-F238E27FC236}">
-                <a16:creationId xmlns:a16="http://schemas.microsoft.com/office/drawing/2014/main" id="{F5693459-FF4B-4523-A06E-294C9732D81F}"/>
+                <a16:creationId xmlns:a16="http://schemas.microsoft.com/office/drawing/2014/main" id="{BD732840-7778-4B37-9B61-786FE2B6F660}"/>
               </a:ext>
             </a:extLst>
           </p:cNvPr>
@@ -21776,22 +21782,24 @@
         </p:nvSpPr>
         <p:spPr/>
         <p:txBody>
-          <a:bodyPr/>
+          <a:bodyPr>
+            <a:normAutofit/>
+          </a:bodyPr>
           <a:lstStyle/>
           <a:p>
             <a:r>
-              <a:rPr lang="en-US"/>
-              <a:t>References</a:t>
+              <a:rPr lang="en-US" sz="2000"/>
+              <a:t>Acknowledgement</a:t>
             </a:r>
           </a:p>
         </p:txBody>
       </p:sp>
       <p:sp>
         <p:nvSpPr>
-          <p:cNvPr id="3" name="Content Placeholder 2">
+          <p:cNvPr id="4" name="Date Placeholder 3">
             <a:extLst>
               <a:ext uri="{FF2B5EF4-FFF2-40B4-BE49-F238E27FC236}">
-                <a16:creationId xmlns:a16="http://schemas.microsoft.com/office/drawing/2014/main" id="{18D3D1C8-C70C-4132-A0D3-FEBA77D04DA3}"/>
+                <a16:creationId xmlns:a16="http://schemas.microsoft.com/office/drawing/2014/main" id="{387D20F8-A49C-46A2-A5A0-198A722FF9AF}"/>
               </a:ext>
             </a:extLst>
           </p:cNvPr>
@@ -21799,7 +21807,7 @@
             <a:spLocks noGrp="1"/>
           </p:cNvSpPr>
           <p:nvPr>
-            <p:ph idx="1"/>
+            <p:ph type="dt" sz="half" idx="10"/>
           </p:nvPr>
         </p:nvSpPr>
         <p:spPr/>
@@ -21807,90 +21815,192 @@
           <a:bodyPr/>
           <a:lstStyle/>
           <a:p>
-            <a:r>
-              <a:rPr lang="en-US"/>
-              <a:t>Image recogntion: </a:t>
-            </a:r>
-            <a:r>
-              <a:rPr lang="en-US">
-                <a:hlinkClick r:id="rId2"/>
-              </a:rPr>
-              <a:t>https://www.tensorflow.org/hub/tutorials/image_retraining</a:t>
-            </a:r>
-            <a:endParaRPr lang="en-US"/>
-          </a:p>
-          <a:p>
-            <a:r>
-              <a:rPr lang="en-US"/>
-              <a:t>Object detection: </a:t>
-            </a:r>
-            <a:r>
-              <a:rPr lang="en-US">
-                <a:hlinkClick r:id="rId3"/>
-              </a:rPr>
-              <a:t>https://github.com/EdjeElectronics/TensorFlow-Object-Detection-API-Tutorial-Train-Multiple-Objects-Windows-10</a:t>
-            </a:r>
-            <a:endParaRPr lang="en-US"/>
-          </a:p>
-          <a:p>
-            <a:r>
-              <a:rPr lang="en-US"/>
-              <a:t>NutriNet: A Deep Learning Food and Drink Image Recognition System for Dietary Assessment (Simon Mezgec 1,* and Barbara Koroušic´ Seljak 2)</a:t>
-            </a:r>
-          </a:p>
-          <a:p>
-            <a:r>
-              <a:rPr lang="en-US"/>
-              <a:t>Deep Learning Based Food Recognition (Qian Yu Stanford University </a:t>
-            </a:r>
-            <a:r>
-              <a:rPr lang="en-US">
-                <a:hlinkClick r:id="rId4"/>
-              </a:rPr>
-              <a:t>qiany@stanford.edu</a:t>
-            </a:r>
-            <a:r>
-              <a:rPr lang="en-US"/>
-              <a:t>, Dongyuan Mao, Stanford University </a:t>
-            </a:r>
-            <a:r>
-              <a:rPr lang="en-US">
-                <a:hlinkClick r:id="rId5"/>
-              </a:rPr>
-              <a:t>dmao@stanford.edu</a:t>
-            </a:r>
-            <a:r>
-              <a:rPr lang="en-US"/>
-              <a:t>, Jingfan Wang Stanford University </a:t>
-            </a:r>
-            <a:r>
-              <a:rPr lang="en-US">
-                <a:hlinkClick r:id="rId6"/>
-              </a:rPr>
-              <a:t>jingfan@stanford.edu</a:t>
-            </a:r>
-            <a:r>
-              <a:rPr lang="en-US"/>
-              <a:t>)</a:t>
-            </a:r>
-          </a:p>
-          <a:p>
-            <a:r>
-              <a:rPr lang="en-US"/>
-              <a:t>FOODIMAGERECOGNITIONUSINGDEEPCONVOLUTIONALNETWORK WITHPRE-TRAININGANDFINE-TUNING (Keiji Yanai, Yoshiyuki Kawano)</a:t>
-            </a:r>
-          </a:p>
-          <a:p>
-            <a:endParaRPr lang="en-US"/>
+            <a:fld id="{4C5A1AFA-DC5B-45D7-BE14-87C822E7B230}" type="datetime1">
+              <a:rPr lang="en-US" smtClean="0"/>
+              <a:t>8/6/2018</a:t>
+            </a:fld>
+            <a:endParaRPr lang="en-US" dirty="0"/>
           </a:p>
         </p:txBody>
       </p:sp>
       <p:sp>
         <p:nvSpPr>
-          <p:cNvPr id="4" name="Flowchart: Process 3">
+          <p:cNvPr id="5" name="Slide Number Placeholder 4">
             <a:extLst>
               <a:ext uri="{FF2B5EF4-FFF2-40B4-BE49-F238E27FC236}">
-                <a16:creationId xmlns:a16="http://schemas.microsoft.com/office/drawing/2014/main" id="{6D054769-CA92-4A7C-B126-45F0BC8EDA26}"/>
+                <a16:creationId xmlns:a16="http://schemas.microsoft.com/office/drawing/2014/main" id="{50AD8ABF-3356-4E72-93D5-2044E3F10403}"/>
+              </a:ext>
+            </a:extLst>
+          </p:cNvPr>
+          <p:cNvSpPr>
+            <a:spLocks noGrp="1"/>
+          </p:cNvSpPr>
+          <p:nvPr>
+            <p:ph type="sldNum" sz="quarter" idx="12"/>
+          </p:nvPr>
+        </p:nvSpPr>
+        <p:spPr/>
+        <p:txBody>
+          <a:bodyPr/>
+          <a:lstStyle/>
+          <a:p>
+            <a:fld id="{4FAB73BC-B049-4115-A692-8D63A059BFB8}" type="slidenum">
+              <a:rPr lang="en-US" smtClean="0"/>
+              <a:pPr/>
+              <a:t>19</a:t>
+            </a:fld>
+            <a:endParaRPr lang="en-US" dirty="0"/>
+          </a:p>
+        </p:txBody>
+      </p:sp>
+      <p:grpSp>
+        <p:nvGrpSpPr>
+          <p:cNvPr id="7" name="그룹 6">
+            <a:extLst>
+              <a:ext uri="{FF2B5EF4-FFF2-40B4-BE49-F238E27FC236}">
+                <a16:creationId xmlns:a16="http://schemas.microsoft.com/office/drawing/2014/main" id="{E44CFEFB-E1E6-4244-A646-077D0B89F5CF}"/>
+              </a:ext>
+            </a:extLst>
+          </p:cNvPr>
+          <p:cNvGrpSpPr/>
+          <p:nvPr/>
+        </p:nvGrpSpPr>
+        <p:grpSpPr>
+          <a:xfrm>
+            <a:off x="5098370" y="3752343"/>
+            <a:ext cx="3633506" cy="1012840"/>
+            <a:chOff x="2966555" y="6022810"/>
+            <a:chExt cx="1005890" cy="222590"/>
+          </a:xfrm>
+        </p:grpSpPr>
+        <p:pic>
+          <p:nvPicPr>
+            <p:cNvPr id="8" name="그림 8">
+              <a:extLst>
+                <a:ext uri="{FF2B5EF4-FFF2-40B4-BE49-F238E27FC236}">
+                  <a16:creationId xmlns:a16="http://schemas.microsoft.com/office/drawing/2014/main" id="{95FDB138-89AA-4FED-B1D6-A90B7116DEFB}"/>
+                </a:ext>
+              </a:extLst>
+            </p:cNvPr>
+            <p:cNvPicPr>
+              <a:picLocks noChangeAspect="1"/>
+            </p:cNvPicPr>
+            <p:nvPr/>
+          </p:nvPicPr>
+          <p:blipFill>
+            <a:blip r:embed="rId2">
+              <a:extLst>
+                <a:ext uri="{28A0092B-C50C-407E-A947-70E740481C1C}">
+                  <a14:useLocalDpi xmlns:a14="http://schemas.microsoft.com/office/drawing/2010/main" val="0"/>
+                </a:ext>
+              </a:extLst>
+            </a:blip>
+            <a:stretch>
+              <a:fillRect/>
+            </a:stretch>
+          </p:blipFill>
+          <p:spPr>
+            <a:xfrm>
+              <a:off x="2966555" y="6022810"/>
+              <a:ext cx="531658" cy="210141"/>
+            </a:xfrm>
+            <a:prstGeom prst="rect">
+              <a:avLst/>
+            </a:prstGeom>
+          </p:spPr>
+        </p:pic>
+        <p:pic>
+          <p:nvPicPr>
+            <p:cNvPr id="9" name="그림 9" descr="클립아트이(가) 표시된 사진&#10;&#10;매우 높은 신뢰도로 생성된 설명">
+              <a:extLst>
+                <a:ext uri="{FF2B5EF4-FFF2-40B4-BE49-F238E27FC236}">
+                  <a16:creationId xmlns:a16="http://schemas.microsoft.com/office/drawing/2014/main" id="{0532382E-3528-4B2D-AB49-C37D16C2F233}"/>
+                </a:ext>
+              </a:extLst>
+            </p:cNvPr>
+            <p:cNvPicPr>
+              <a:picLocks noChangeAspect="1"/>
+            </p:cNvPicPr>
+            <p:nvPr/>
+          </p:nvPicPr>
+          <p:blipFill>
+            <a:blip r:embed="rId3">
+              <a:extLst>
+                <a:ext uri="{28A0092B-C50C-407E-A947-70E740481C1C}">
+                  <a14:useLocalDpi xmlns:a14="http://schemas.microsoft.com/office/drawing/2010/main" val="0"/>
+                </a:ext>
+              </a:extLst>
+            </a:blip>
+            <a:stretch>
+              <a:fillRect/>
+            </a:stretch>
+          </p:blipFill>
+          <p:spPr>
+            <a:xfrm>
+              <a:off x="3621171" y="6040843"/>
+              <a:ext cx="351274" cy="204557"/>
+            </a:xfrm>
+            <a:prstGeom prst="rect">
+              <a:avLst/>
+            </a:prstGeom>
+          </p:spPr>
+        </p:pic>
+      </p:grpSp>
+      <p:sp>
+        <p:nvSpPr>
+          <p:cNvPr id="10" name="TextBox 9">
+            <a:extLst>
+              <a:ext uri="{FF2B5EF4-FFF2-40B4-BE49-F238E27FC236}">
+                <a16:creationId xmlns:a16="http://schemas.microsoft.com/office/drawing/2014/main" id="{D0853A53-83B0-4C09-A314-322F362355B7}"/>
+              </a:ext>
+            </a:extLst>
+          </p:cNvPr>
+          <p:cNvSpPr txBox="1"/>
+          <p:nvPr/>
+        </p:nvSpPr>
+        <p:spPr>
+          <a:xfrm>
+            <a:off x="4275969" y="2224099"/>
+            <a:ext cx="5463355" cy="1200329"/>
+          </a:xfrm>
+          <a:prstGeom prst="rect">
+            <a:avLst/>
+          </a:prstGeom>
+          <a:noFill/>
+        </p:spPr>
+        <p:txBody>
+          <a:bodyPr wrap="none" rtlCol="0">
+            <a:spAutoFit/>
+          </a:bodyPr>
+          <a:lstStyle/>
+          <a:p>
+            <a:pPr algn="ctr"/>
+            <a:r>
+              <a:rPr lang="en-US" altLang="ko-KR" sz="3600">
+                <a:latin typeface="Corbel (Body)"/>
+                <a:ea typeface="배달의민족 도현" panose="020B0600000101010101" pitchFamily="50" charset="-127"/>
+              </a:rPr>
+              <a:t>Fully or partially, </a:t>
+            </a:r>
+          </a:p>
+          <a:p>
+            <a:pPr algn="ctr"/>
+            <a:r>
+              <a:rPr lang="en-US" altLang="ko-KR" sz="3600">
+                <a:latin typeface="Corbel (Body)"/>
+                <a:ea typeface="배달의민족 도현" panose="020B0600000101010101" pitchFamily="50" charset="-127"/>
+              </a:rPr>
+              <a:t>this work was supported by </a:t>
+            </a:r>
+          </a:p>
+        </p:txBody>
+      </p:sp>
+      <p:sp>
+        <p:nvSpPr>
+          <p:cNvPr id="11" name="Flowchart: Process 10">
+            <a:extLst>
+              <a:ext uri="{FF2B5EF4-FFF2-40B4-BE49-F238E27FC236}">
+                <a16:creationId xmlns:a16="http://schemas.microsoft.com/office/drawing/2014/main" id="{47B3B201-5097-4348-B3E1-F21D14B1ED41}"/>
               </a:ext>
             </a:extLst>
           </p:cNvPr>
@@ -21939,10 +22049,10 @@
       </p:sp>
       <p:sp>
         <p:nvSpPr>
-          <p:cNvPr id="5" name="Flowchart: Process 4">
+          <p:cNvPr id="12" name="Flowchart: Process 11">
             <a:extLst>
               <a:ext uri="{FF2B5EF4-FFF2-40B4-BE49-F238E27FC236}">
-                <a16:creationId xmlns:a16="http://schemas.microsoft.com/office/drawing/2014/main" id="{22AB742D-2550-406F-A569-2E6D445013EE}"/>
+                <a16:creationId xmlns:a16="http://schemas.microsoft.com/office/drawing/2014/main" id="{EEB1C297-16E6-495A-B83F-2B286805151C}"/>
               </a:ext>
             </a:extLst>
           </p:cNvPr>
@@ -21991,10 +22101,10 @@
       </p:sp>
       <p:sp>
         <p:nvSpPr>
-          <p:cNvPr id="6" name="Flowchart: Process 5">
+          <p:cNvPr id="13" name="Flowchart: Process 12">
             <a:extLst>
               <a:ext uri="{FF2B5EF4-FFF2-40B4-BE49-F238E27FC236}">
-                <a16:creationId xmlns:a16="http://schemas.microsoft.com/office/drawing/2014/main" id="{471F89B0-D677-4D9D-B2E5-FF2092E5566A}"/>
+                <a16:creationId xmlns:a16="http://schemas.microsoft.com/office/drawing/2014/main" id="{05825209-2A12-49D6-A747-DC41FB8D4375}"/>
               </a:ext>
             </a:extLst>
           </p:cNvPr>
@@ -22043,10 +22153,10 @@
       </p:sp>
       <p:sp>
         <p:nvSpPr>
-          <p:cNvPr id="7" name="Flowchart: Process 6">
+          <p:cNvPr id="14" name="Flowchart: Process 13">
             <a:extLst>
               <a:ext uri="{FF2B5EF4-FFF2-40B4-BE49-F238E27FC236}">
-                <a16:creationId xmlns:a16="http://schemas.microsoft.com/office/drawing/2014/main" id="{2F8EBD44-63BD-413F-8963-AB336D0CF090}"/>
+                <a16:creationId xmlns:a16="http://schemas.microsoft.com/office/drawing/2014/main" id="{5FF2764F-FF8B-42D1-96F0-2A3060A8156D}"/>
               </a:ext>
             </a:extLst>
           </p:cNvPr>
@@ -22095,10 +22205,10 @@
       </p:sp>
       <p:sp>
         <p:nvSpPr>
-          <p:cNvPr id="8" name="Flowchart: Process 7">
+          <p:cNvPr id="15" name="Flowchart: Process 14">
             <a:extLst>
               <a:ext uri="{FF2B5EF4-FFF2-40B4-BE49-F238E27FC236}">
-                <a16:creationId xmlns:a16="http://schemas.microsoft.com/office/drawing/2014/main" id="{0C8AA670-6C00-406A-809B-3955DD192D86}"/>
+                <a16:creationId xmlns:a16="http://schemas.microsoft.com/office/drawing/2014/main" id="{77960D13-D8A7-4972-8A22-AB3D43E6621A}"/>
               </a:ext>
             </a:extLst>
           </p:cNvPr>
@@ -22147,10 +22257,10 @@
       </p:sp>
       <p:sp>
         <p:nvSpPr>
-          <p:cNvPr id="9" name="TextBox 8">
+          <p:cNvPr id="16" name="TextBox 15">
             <a:extLst>
               <a:ext uri="{FF2B5EF4-FFF2-40B4-BE49-F238E27FC236}">
-                <a16:creationId xmlns:a16="http://schemas.microsoft.com/office/drawing/2014/main" id="{A28FAAB1-E542-4297-ADFA-ECC3660EE069}"/>
+                <a16:creationId xmlns:a16="http://schemas.microsoft.com/office/drawing/2014/main" id="{0070DD23-8C3E-458A-A6F9-FA9B9BD04019}"/>
               </a:ext>
             </a:extLst>
           </p:cNvPr>
@@ -22186,10 +22296,10 @@
       </p:sp>
       <p:sp>
         <p:nvSpPr>
-          <p:cNvPr id="10" name="TextBox 9">
+          <p:cNvPr id="17" name="TextBox 16">
             <a:extLst>
               <a:ext uri="{FF2B5EF4-FFF2-40B4-BE49-F238E27FC236}">
-                <a16:creationId xmlns:a16="http://schemas.microsoft.com/office/drawing/2014/main" id="{25FCF190-7F22-4F2B-AE31-320563C6EB4E}"/>
+                <a16:creationId xmlns:a16="http://schemas.microsoft.com/office/drawing/2014/main" id="{34057F0E-CDA9-49D3-B90C-6F2791C1424E}"/>
               </a:ext>
             </a:extLst>
           </p:cNvPr>
@@ -22225,10 +22335,10 @@
       </p:sp>
       <p:sp>
         <p:nvSpPr>
-          <p:cNvPr id="11" name="Flowchart: Process 10">
+          <p:cNvPr id="18" name="Flowchart: Process 17">
             <a:extLst>
               <a:ext uri="{FF2B5EF4-FFF2-40B4-BE49-F238E27FC236}">
-                <a16:creationId xmlns:a16="http://schemas.microsoft.com/office/drawing/2014/main" id="{BDC2A984-5A9E-4E68-A93C-50E67390C6BE}"/>
+                <a16:creationId xmlns:a16="http://schemas.microsoft.com/office/drawing/2014/main" id="{452B498B-4F69-4E4D-BE87-D3599A1F405D}"/>
               </a:ext>
             </a:extLst>
           </p:cNvPr>
@@ -22277,10 +22387,10 @@
       </p:sp>
       <p:sp>
         <p:nvSpPr>
-          <p:cNvPr id="13" name="TextBox 12">
+          <p:cNvPr id="19" name="TextBox 18">
             <a:extLst>
               <a:ext uri="{FF2B5EF4-FFF2-40B4-BE49-F238E27FC236}">
-                <a16:creationId xmlns:a16="http://schemas.microsoft.com/office/drawing/2014/main" id="{9C14345D-F9B3-44B5-97C0-EC09E568BE0F}"/>
+                <a16:creationId xmlns:a16="http://schemas.microsoft.com/office/drawing/2014/main" id="{6322D86B-FE12-4B0D-9656-61B7B66B37B9}"/>
               </a:ext>
             </a:extLst>
           </p:cNvPr>
@@ -22316,10 +22426,10 @@
       </p:sp>
       <p:sp>
         <p:nvSpPr>
-          <p:cNvPr id="14" name="TextBox 13">
+          <p:cNvPr id="20" name="TextBox 19">
             <a:extLst>
               <a:ext uri="{FF2B5EF4-FFF2-40B4-BE49-F238E27FC236}">
-                <a16:creationId xmlns:a16="http://schemas.microsoft.com/office/drawing/2014/main" id="{5F63BE05-DA78-4A3F-BC87-3ED03B478222}"/>
+                <a16:creationId xmlns:a16="http://schemas.microsoft.com/office/drawing/2014/main" id="{4E33FBA7-DF3D-49DA-9696-728E078BF0BF}"/>
               </a:ext>
             </a:extLst>
           </p:cNvPr>
@@ -22355,10 +22465,10 @@
       </p:sp>
       <p:sp>
         <p:nvSpPr>
-          <p:cNvPr id="15" name="TextBox 14">
+          <p:cNvPr id="21" name="TextBox 20">
             <a:extLst>
               <a:ext uri="{FF2B5EF4-FFF2-40B4-BE49-F238E27FC236}">
-                <a16:creationId xmlns:a16="http://schemas.microsoft.com/office/drawing/2014/main" id="{48870DC6-9D0E-4A72-A2BD-0657FD7E5229}"/>
+                <a16:creationId xmlns:a16="http://schemas.microsoft.com/office/drawing/2014/main" id="{E58ACE00-24B6-49E1-819D-3CC16B1D52B9}"/>
               </a:ext>
             </a:extLst>
           </p:cNvPr>
@@ -22394,10 +22504,10 @@
       </p:sp>
       <p:sp>
         <p:nvSpPr>
-          <p:cNvPr id="16" name="TextBox 15">
+          <p:cNvPr id="22" name="TextBox 21">
             <a:extLst>
               <a:ext uri="{FF2B5EF4-FFF2-40B4-BE49-F238E27FC236}">
-                <a16:creationId xmlns:a16="http://schemas.microsoft.com/office/drawing/2014/main" id="{191800A1-B5B9-4A6E-A85C-D488DB393EEB}"/>
+                <a16:creationId xmlns:a16="http://schemas.microsoft.com/office/drawing/2014/main" id="{622BFE06-D307-4A4D-9507-C9BADB943190}"/>
               </a:ext>
             </a:extLst>
           </p:cNvPr>
@@ -22431,69 +22541,10 @@
           </a:p>
         </p:txBody>
       </p:sp>
-      <p:sp>
-        <p:nvSpPr>
-          <p:cNvPr id="17" name="Date Placeholder 16">
-            <a:extLst>
-              <a:ext uri="{FF2B5EF4-FFF2-40B4-BE49-F238E27FC236}">
-                <a16:creationId xmlns:a16="http://schemas.microsoft.com/office/drawing/2014/main" id="{733C28B6-F4F5-4554-9D8C-4CA263FA42B3}"/>
-              </a:ext>
-            </a:extLst>
-          </p:cNvPr>
-          <p:cNvSpPr>
-            <a:spLocks noGrp="1"/>
-          </p:cNvSpPr>
-          <p:nvPr>
-            <p:ph type="dt" sz="half" idx="10"/>
-          </p:nvPr>
-        </p:nvSpPr>
-        <p:spPr/>
-        <p:txBody>
-          <a:bodyPr/>
-          <a:lstStyle/>
-          <a:p>
-            <a:fld id="{4C0F06DE-5CB4-4888-9234-DB63DBBB4662}" type="datetime1">
-              <a:rPr lang="en-US" smtClean="0"/>
-              <a:t>8/6/2018</a:t>
-            </a:fld>
-            <a:endParaRPr lang="en-US" dirty="0"/>
-          </a:p>
-        </p:txBody>
-      </p:sp>
-      <p:sp>
-        <p:nvSpPr>
-          <p:cNvPr id="18" name="Slide Number Placeholder 17">
-            <a:extLst>
-              <a:ext uri="{FF2B5EF4-FFF2-40B4-BE49-F238E27FC236}">
-                <a16:creationId xmlns:a16="http://schemas.microsoft.com/office/drawing/2014/main" id="{E307B39B-FDEB-45E2-B367-2BC853DC2483}"/>
-              </a:ext>
-            </a:extLst>
-          </p:cNvPr>
-          <p:cNvSpPr>
-            <a:spLocks noGrp="1"/>
-          </p:cNvSpPr>
-          <p:nvPr>
-            <p:ph type="sldNum" sz="quarter" idx="12"/>
-          </p:nvPr>
-        </p:nvSpPr>
-        <p:spPr/>
-        <p:txBody>
-          <a:bodyPr/>
-          <a:lstStyle/>
-          <a:p>
-            <a:fld id="{4FAB73BC-B049-4115-A692-8D63A059BFB8}" type="slidenum">
-              <a:rPr lang="en-US" smtClean="0"/>
-              <a:pPr/>
-              <a:t>19</a:t>
-            </a:fld>
-            <a:endParaRPr lang="en-US" dirty="0"/>
-          </a:p>
-        </p:txBody>
-      </p:sp>
     </p:spTree>
     <p:extLst>
       <p:ext uri="{BB962C8B-B14F-4D97-AF65-F5344CB8AC3E}">
-        <p14:creationId xmlns:p14="http://schemas.microsoft.com/office/powerpoint/2010/main" val="3030032666"/>
+        <p14:creationId xmlns:p14="http://schemas.microsoft.com/office/powerpoint/2010/main" val="2064955213"/>
       </p:ext>
     </p:extLst>
   </p:cSld>
@@ -23376,6 +23427,768 @@
           <a:chExt cx="0" cy="0"/>
         </a:xfrm>
       </p:grpSpPr>
+      <p:sp>
+        <p:nvSpPr>
+          <p:cNvPr id="2" name="Title 1">
+            <a:extLst>
+              <a:ext uri="{FF2B5EF4-FFF2-40B4-BE49-F238E27FC236}">
+                <a16:creationId xmlns:a16="http://schemas.microsoft.com/office/drawing/2014/main" id="{F5693459-FF4B-4523-A06E-294C9732D81F}"/>
+              </a:ext>
+            </a:extLst>
+          </p:cNvPr>
+          <p:cNvSpPr>
+            <a:spLocks noGrp="1"/>
+          </p:cNvSpPr>
+          <p:nvPr>
+            <p:ph type="title"/>
+          </p:nvPr>
+        </p:nvSpPr>
+        <p:spPr/>
+        <p:txBody>
+          <a:bodyPr/>
+          <a:lstStyle/>
+          <a:p>
+            <a:r>
+              <a:rPr lang="en-US"/>
+              <a:t>References</a:t>
+            </a:r>
+          </a:p>
+        </p:txBody>
+      </p:sp>
+      <p:sp>
+        <p:nvSpPr>
+          <p:cNvPr id="3" name="Content Placeholder 2">
+            <a:extLst>
+              <a:ext uri="{FF2B5EF4-FFF2-40B4-BE49-F238E27FC236}">
+                <a16:creationId xmlns:a16="http://schemas.microsoft.com/office/drawing/2014/main" id="{18D3D1C8-C70C-4132-A0D3-FEBA77D04DA3}"/>
+              </a:ext>
+            </a:extLst>
+          </p:cNvPr>
+          <p:cNvSpPr>
+            <a:spLocks noGrp="1"/>
+          </p:cNvSpPr>
+          <p:nvPr>
+            <p:ph idx="1"/>
+          </p:nvPr>
+        </p:nvSpPr>
+        <p:spPr/>
+        <p:txBody>
+          <a:bodyPr/>
+          <a:lstStyle/>
+          <a:p>
+            <a:r>
+              <a:rPr lang="en-US"/>
+              <a:t>Image recogntion: </a:t>
+            </a:r>
+            <a:r>
+              <a:rPr lang="en-US">
+                <a:hlinkClick r:id="rId2"/>
+              </a:rPr>
+              <a:t>https://www.tensorflow.org/hub/tutorials/image_retraining</a:t>
+            </a:r>
+            <a:endParaRPr lang="en-US"/>
+          </a:p>
+          <a:p>
+            <a:r>
+              <a:rPr lang="en-US"/>
+              <a:t>Object detection: </a:t>
+            </a:r>
+            <a:r>
+              <a:rPr lang="en-US">
+                <a:hlinkClick r:id="rId3"/>
+              </a:rPr>
+              <a:t>https://github.com/EdjeElectronics/TensorFlow-Object-Detection-API-Tutorial-Train-Multiple-Objects-Windows-10</a:t>
+            </a:r>
+            <a:endParaRPr lang="en-US"/>
+          </a:p>
+          <a:p>
+            <a:r>
+              <a:rPr lang="en-US"/>
+              <a:t>NutriNet: A Deep Learning Food and Drink Image Recognition System for Dietary Assessment (Simon Mezgec 1,* and Barbara Koroušic´ Seljak 2)</a:t>
+            </a:r>
+          </a:p>
+          <a:p>
+            <a:r>
+              <a:rPr lang="en-US"/>
+              <a:t>Deep Learning Based Food Recognition (Qian Yu Stanford University </a:t>
+            </a:r>
+            <a:r>
+              <a:rPr lang="en-US">
+                <a:hlinkClick r:id="rId4"/>
+              </a:rPr>
+              <a:t>qiany@stanford.edu</a:t>
+            </a:r>
+            <a:r>
+              <a:rPr lang="en-US"/>
+              <a:t>, Dongyuan Mao, Stanford University </a:t>
+            </a:r>
+            <a:r>
+              <a:rPr lang="en-US">
+                <a:hlinkClick r:id="rId5"/>
+              </a:rPr>
+              <a:t>dmao@stanford.edu</a:t>
+            </a:r>
+            <a:r>
+              <a:rPr lang="en-US"/>
+              <a:t>, Jingfan Wang Stanford University </a:t>
+            </a:r>
+            <a:r>
+              <a:rPr lang="en-US">
+                <a:hlinkClick r:id="rId6"/>
+              </a:rPr>
+              <a:t>jingfan@stanford.edu</a:t>
+            </a:r>
+            <a:r>
+              <a:rPr lang="en-US"/>
+              <a:t>)</a:t>
+            </a:r>
+          </a:p>
+          <a:p>
+            <a:r>
+              <a:rPr lang="en-US"/>
+              <a:t>FOODIMAGERECOGNITIONUSINGDEEPCONVOLUTIONALNETWORK WITHPRE-TRAININGANDFINE-TUNING (Keiji Yanai, Yoshiyuki Kawano)</a:t>
+            </a:r>
+          </a:p>
+          <a:p>
+            <a:endParaRPr lang="en-US"/>
+          </a:p>
+        </p:txBody>
+      </p:sp>
+      <p:sp>
+        <p:nvSpPr>
+          <p:cNvPr id="4" name="Flowchart: Process 3">
+            <a:extLst>
+              <a:ext uri="{FF2B5EF4-FFF2-40B4-BE49-F238E27FC236}">
+                <a16:creationId xmlns:a16="http://schemas.microsoft.com/office/drawing/2014/main" id="{6D054769-CA92-4A7C-B126-45F0BC8EDA26}"/>
+              </a:ext>
+            </a:extLst>
+          </p:cNvPr>
+          <p:cNvSpPr/>
+          <p:nvPr/>
+        </p:nvSpPr>
+        <p:spPr>
+          <a:xfrm>
+            <a:off x="9744891" y="6658377"/>
+            <a:ext cx="2447107" cy="219498"/>
+          </a:xfrm>
+          <a:prstGeom prst="flowChartProcess">
+            <a:avLst/>
+          </a:prstGeom>
+          <a:solidFill>
+            <a:srgbClr val="00B0F0"/>
+          </a:solidFill>
+          <a:ln>
+            <a:noFill/>
+          </a:ln>
+        </p:spPr>
+        <p:style>
+          <a:lnRef idx="2">
+            <a:schemeClr val="accent1">
+              <a:shade val="50000"/>
+            </a:schemeClr>
+          </a:lnRef>
+          <a:fillRef idx="1">
+            <a:schemeClr val="accent1"/>
+          </a:fillRef>
+          <a:effectRef idx="0">
+            <a:schemeClr val="accent1"/>
+          </a:effectRef>
+          <a:fontRef idx="minor">
+            <a:schemeClr val="lt1"/>
+          </a:fontRef>
+        </p:style>
+        <p:txBody>
+          <a:bodyPr rtlCol="0" anchor="ctr"/>
+          <a:lstStyle/>
+          <a:p>
+            <a:pPr algn="ctr"/>
+            <a:endParaRPr lang="en-US"/>
+          </a:p>
+        </p:txBody>
+      </p:sp>
+      <p:sp>
+        <p:nvSpPr>
+          <p:cNvPr id="5" name="Flowchart: Process 4">
+            <a:extLst>
+              <a:ext uri="{FF2B5EF4-FFF2-40B4-BE49-F238E27FC236}">
+                <a16:creationId xmlns:a16="http://schemas.microsoft.com/office/drawing/2014/main" id="{22AB742D-2550-406F-A569-2E6D445013EE}"/>
+              </a:ext>
+            </a:extLst>
+          </p:cNvPr>
+          <p:cNvSpPr/>
+          <p:nvPr/>
+        </p:nvSpPr>
+        <p:spPr>
+          <a:xfrm>
+            <a:off x="8022886" y="6664628"/>
+            <a:ext cx="1722006" cy="219498"/>
+          </a:xfrm>
+          <a:prstGeom prst="flowChartProcess">
+            <a:avLst/>
+          </a:prstGeom>
+          <a:solidFill>
+            <a:srgbClr val="00B0F0"/>
+          </a:solidFill>
+          <a:ln>
+            <a:noFill/>
+          </a:ln>
+        </p:spPr>
+        <p:style>
+          <a:lnRef idx="2">
+            <a:schemeClr val="accent1">
+              <a:shade val="50000"/>
+            </a:schemeClr>
+          </a:lnRef>
+          <a:fillRef idx="1">
+            <a:schemeClr val="accent1"/>
+          </a:fillRef>
+          <a:effectRef idx="0">
+            <a:schemeClr val="accent1"/>
+          </a:effectRef>
+          <a:fontRef idx="minor">
+            <a:schemeClr val="lt1"/>
+          </a:fontRef>
+        </p:style>
+        <p:txBody>
+          <a:bodyPr rtlCol="0" anchor="ctr"/>
+          <a:lstStyle/>
+          <a:p>
+            <a:pPr algn="ctr"/>
+            <a:endParaRPr lang="en-US"/>
+          </a:p>
+        </p:txBody>
+      </p:sp>
+      <p:sp>
+        <p:nvSpPr>
+          <p:cNvPr id="6" name="Flowchart: Process 5">
+            <a:extLst>
+              <a:ext uri="{FF2B5EF4-FFF2-40B4-BE49-F238E27FC236}">
+                <a16:creationId xmlns:a16="http://schemas.microsoft.com/office/drawing/2014/main" id="{471F89B0-D677-4D9D-B2E5-FF2092E5566A}"/>
+              </a:ext>
+            </a:extLst>
+          </p:cNvPr>
+          <p:cNvSpPr/>
+          <p:nvPr/>
+        </p:nvSpPr>
+        <p:spPr>
+          <a:xfrm>
+            <a:off x="5817704" y="6666704"/>
+            <a:ext cx="2205181" cy="206435"/>
+          </a:xfrm>
+          <a:prstGeom prst="flowChartProcess">
+            <a:avLst/>
+          </a:prstGeom>
+          <a:solidFill>
+            <a:srgbClr val="00B0F0"/>
+          </a:solidFill>
+          <a:ln>
+            <a:noFill/>
+          </a:ln>
+        </p:spPr>
+        <p:style>
+          <a:lnRef idx="2">
+            <a:schemeClr val="accent1">
+              <a:shade val="50000"/>
+            </a:schemeClr>
+          </a:lnRef>
+          <a:fillRef idx="1">
+            <a:schemeClr val="accent1"/>
+          </a:fillRef>
+          <a:effectRef idx="0">
+            <a:schemeClr val="accent1"/>
+          </a:effectRef>
+          <a:fontRef idx="minor">
+            <a:schemeClr val="lt1"/>
+          </a:fontRef>
+        </p:style>
+        <p:txBody>
+          <a:bodyPr rtlCol="0" anchor="ctr"/>
+          <a:lstStyle/>
+          <a:p>
+            <a:pPr algn="ctr"/>
+            <a:endParaRPr lang="en-US"/>
+          </a:p>
+        </p:txBody>
+      </p:sp>
+      <p:sp>
+        <p:nvSpPr>
+          <p:cNvPr id="7" name="Flowchart: Process 6">
+            <a:extLst>
+              <a:ext uri="{FF2B5EF4-FFF2-40B4-BE49-F238E27FC236}">
+                <a16:creationId xmlns:a16="http://schemas.microsoft.com/office/drawing/2014/main" id="{2F8EBD44-63BD-413F-8963-AB336D0CF090}"/>
+              </a:ext>
+            </a:extLst>
+          </p:cNvPr>
+          <p:cNvSpPr/>
+          <p:nvPr/>
+        </p:nvSpPr>
+        <p:spPr>
+          <a:xfrm>
+            <a:off x="3451537" y="6666705"/>
+            <a:ext cx="2366167" cy="204358"/>
+          </a:xfrm>
+          <a:prstGeom prst="flowChartProcess">
+            <a:avLst/>
+          </a:prstGeom>
+          <a:solidFill>
+            <a:srgbClr val="00B0F0"/>
+          </a:solidFill>
+          <a:ln>
+            <a:noFill/>
+          </a:ln>
+        </p:spPr>
+        <p:style>
+          <a:lnRef idx="2">
+            <a:schemeClr val="accent1">
+              <a:shade val="50000"/>
+            </a:schemeClr>
+          </a:lnRef>
+          <a:fillRef idx="1">
+            <a:schemeClr val="accent1"/>
+          </a:fillRef>
+          <a:effectRef idx="0">
+            <a:schemeClr val="accent1"/>
+          </a:effectRef>
+          <a:fontRef idx="minor">
+            <a:schemeClr val="lt1"/>
+          </a:fontRef>
+        </p:style>
+        <p:txBody>
+          <a:bodyPr rtlCol="0" anchor="ctr"/>
+          <a:lstStyle/>
+          <a:p>
+            <a:pPr algn="ctr"/>
+            <a:endParaRPr lang="en-US"/>
+          </a:p>
+        </p:txBody>
+      </p:sp>
+      <p:sp>
+        <p:nvSpPr>
+          <p:cNvPr id="8" name="Flowchart: Process 7">
+            <a:extLst>
+              <a:ext uri="{FF2B5EF4-FFF2-40B4-BE49-F238E27FC236}">
+                <a16:creationId xmlns:a16="http://schemas.microsoft.com/office/drawing/2014/main" id="{0C8AA670-6C00-406A-809B-3955DD192D86}"/>
+              </a:ext>
+            </a:extLst>
+          </p:cNvPr>
+          <p:cNvSpPr/>
+          <p:nvPr/>
+        </p:nvSpPr>
+        <p:spPr>
+          <a:xfrm>
+            <a:off x="1893195" y="6658377"/>
+            <a:ext cx="1558342" cy="199623"/>
+          </a:xfrm>
+          <a:prstGeom prst="flowChartProcess">
+            <a:avLst/>
+          </a:prstGeom>
+          <a:solidFill>
+            <a:srgbClr val="00B0F0"/>
+          </a:solidFill>
+          <a:ln>
+            <a:noFill/>
+          </a:ln>
+        </p:spPr>
+        <p:style>
+          <a:lnRef idx="2">
+            <a:schemeClr val="accent1">
+              <a:shade val="50000"/>
+            </a:schemeClr>
+          </a:lnRef>
+          <a:fillRef idx="1">
+            <a:schemeClr val="accent1"/>
+          </a:fillRef>
+          <a:effectRef idx="0">
+            <a:schemeClr val="accent1"/>
+          </a:effectRef>
+          <a:fontRef idx="minor">
+            <a:schemeClr val="lt1"/>
+          </a:fontRef>
+        </p:style>
+        <p:txBody>
+          <a:bodyPr rtlCol="0" anchor="ctr"/>
+          <a:lstStyle/>
+          <a:p>
+            <a:pPr algn="ctr"/>
+            <a:endParaRPr lang="en-US"/>
+          </a:p>
+        </p:txBody>
+      </p:sp>
+      <p:sp>
+        <p:nvSpPr>
+          <p:cNvPr id="9" name="TextBox 8">
+            <a:extLst>
+              <a:ext uri="{FF2B5EF4-FFF2-40B4-BE49-F238E27FC236}">
+                <a16:creationId xmlns:a16="http://schemas.microsoft.com/office/drawing/2014/main" id="{A28FAAB1-E542-4297-ADFA-ECC3660EE069}"/>
+              </a:ext>
+            </a:extLst>
+          </p:cNvPr>
+          <p:cNvSpPr txBox="1"/>
+          <p:nvPr/>
+        </p:nvSpPr>
+        <p:spPr>
+          <a:xfrm>
+            <a:off x="252919" y="6289045"/>
+            <a:ext cx="1430200" cy="369332"/>
+          </a:xfrm>
+          <a:prstGeom prst="rect">
+            <a:avLst/>
+          </a:prstGeom>
+          <a:noFill/>
+        </p:spPr>
+        <p:txBody>
+          <a:bodyPr wrap="none" rtlCol="0">
+            <a:spAutoFit/>
+          </a:bodyPr>
+          <a:lstStyle/>
+          <a:p>
+            <a:r>
+              <a:rPr lang="en-US" b="1">
+                <a:solidFill>
+                  <a:srgbClr val="0070C0"/>
+                </a:solidFill>
+              </a:rPr>
+              <a:t>Introduction</a:t>
+            </a:r>
+          </a:p>
+        </p:txBody>
+      </p:sp>
+      <p:sp>
+        <p:nvSpPr>
+          <p:cNvPr id="10" name="TextBox 9">
+            <a:extLst>
+              <a:ext uri="{FF2B5EF4-FFF2-40B4-BE49-F238E27FC236}">
+                <a16:creationId xmlns:a16="http://schemas.microsoft.com/office/drawing/2014/main" id="{25FCF190-7F22-4F2B-AE31-320563C6EB4E}"/>
+              </a:ext>
+            </a:extLst>
+          </p:cNvPr>
+          <p:cNvSpPr txBox="1"/>
+          <p:nvPr/>
+        </p:nvSpPr>
+        <p:spPr>
+          <a:xfrm>
+            <a:off x="2103271" y="6289045"/>
+            <a:ext cx="1130438" cy="369332"/>
+          </a:xfrm>
+          <a:prstGeom prst="rect">
+            <a:avLst/>
+          </a:prstGeom>
+          <a:noFill/>
+        </p:spPr>
+        <p:txBody>
+          <a:bodyPr wrap="none" rtlCol="0">
+            <a:spAutoFit/>
+          </a:bodyPr>
+          <a:lstStyle/>
+          <a:p>
+            <a:r>
+              <a:rPr lang="en-US" b="1">
+                <a:solidFill>
+                  <a:srgbClr val="0070C0"/>
+                </a:solidFill>
+              </a:rPr>
+              <a:t>Overview</a:t>
+            </a:r>
+          </a:p>
+        </p:txBody>
+      </p:sp>
+      <p:sp>
+        <p:nvSpPr>
+          <p:cNvPr id="11" name="Flowchart: Process 10">
+            <a:extLst>
+              <a:ext uri="{FF2B5EF4-FFF2-40B4-BE49-F238E27FC236}">
+                <a16:creationId xmlns:a16="http://schemas.microsoft.com/office/drawing/2014/main" id="{BDC2A984-5A9E-4E68-A93C-50E67390C6BE}"/>
+              </a:ext>
+            </a:extLst>
+          </p:cNvPr>
+          <p:cNvSpPr/>
+          <p:nvPr/>
+        </p:nvSpPr>
+        <p:spPr>
+          <a:xfrm>
+            <a:off x="1" y="6658377"/>
+            <a:ext cx="1893194" cy="199623"/>
+          </a:xfrm>
+          <a:prstGeom prst="flowChartProcess">
+            <a:avLst/>
+          </a:prstGeom>
+          <a:solidFill>
+            <a:srgbClr val="00B0F0"/>
+          </a:solidFill>
+          <a:ln>
+            <a:noFill/>
+          </a:ln>
+        </p:spPr>
+        <p:style>
+          <a:lnRef idx="2">
+            <a:schemeClr val="accent1">
+              <a:shade val="50000"/>
+            </a:schemeClr>
+          </a:lnRef>
+          <a:fillRef idx="1">
+            <a:schemeClr val="accent1"/>
+          </a:fillRef>
+          <a:effectRef idx="0">
+            <a:schemeClr val="accent1"/>
+          </a:effectRef>
+          <a:fontRef idx="minor">
+            <a:schemeClr val="lt1"/>
+          </a:fontRef>
+        </p:style>
+        <p:txBody>
+          <a:bodyPr rtlCol="0" anchor="ctr"/>
+          <a:lstStyle/>
+          <a:p>
+            <a:pPr algn="ctr"/>
+            <a:endParaRPr lang="en-US"/>
+          </a:p>
+        </p:txBody>
+      </p:sp>
+      <p:sp>
+        <p:nvSpPr>
+          <p:cNvPr id="13" name="TextBox 12">
+            <a:extLst>
+              <a:ext uri="{FF2B5EF4-FFF2-40B4-BE49-F238E27FC236}">
+                <a16:creationId xmlns:a16="http://schemas.microsoft.com/office/drawing/2014/main" id="{9C14345D-F9B3-44B5-97C0-EC09E568BE0F}"/>
+              </a:ext>
+            </a:extLst>
+          </p:cNvPr>
+          <p:cNvSpPr txBox="1"/>
+          <p:nvPr/>
+        </p:nvSpPr>
+        <p:spPr>
+          <a:xfrm>
+            <a:off x="3871689" y="6297562"/>
+            <a:ext cx="1527982" cy="369332"/>
+          </a:xfrm>
+          <a:prstGeom prst="rect">
+            <a:avLst/>
+          </a:prstGeom>
+          <a:noFill/>
+        </p:spPr>
+        <p:txBody>
+          <a:bodyPr wrap="none" rtlCol="0">
+            <a:spAutoFit/>
+          </a:bodyPr>
+          <a:lstStyle/>
+          <a:p>
+            <a:r>
+              <a:rPr lang="en-US" b="1">
+                <a:solidFill>
+                  <a:srgbClr val="0070C0"/>
+                </a:solidFill>
+              </a:rPr>
+              <a:t>Methodology</a:t>
+            </a:r>
+          </a:p>
+        </p:txBody>
+      </p:sp>
+      <p:sp>
+        <p:nvSpPr>
+          <p:cNvPr id="14" name="TextBox 13">
+            <a:extLst>
+              <a:ext uri="{FF2B5EF4-FFF2-40B4-BE49-F238E27FC236}">
+                <a16:creationId xmlns:a16="http://schemas.microsoft.com/office/drawing/2014/main" id="{5F63BE05-DA78-4A3F-BC87-3ED03B478222}"/>
+              </a:ext>
+            </a:extLst>
+          </p:cNvPr>
+          <p:cNvSpPr txBox="1"/>
+          <p:nvPr/>
+        </p:nvSpPr>
+        <p:spPr>
+          <a:xfrm>
+            <a:off x="6430755" y="6297562"/>
+            <a:ext cx="811761" cy="369332"/>
+          </a:xfrm>
+          <a:prstGeom prst="rect">
+            <a:avLst/>
+          </a:prstGeom>
+          <a:noFill/>
+        </p:spPr>
+        <p:txBody>
+          <a:bodyPr wrap="none" rtlCol="0">
+            <a:spAutoFit/>
+          </a:bodyPr>
+          <a:lstStyle/>
+          <a:p>
+            <a:r>
+              <a:rPr lang="en-US" b="1">
+                <a:solidFill>
+                  <a:srgbClr val="0070C0"/>
+                </a:solidFill>
+              </a:rPr>
+              <a:t>Result</a:t>
+            </a:r>
+          </a:p>
+        </p:txBody>
+      </p:sp>
+      <p:sp>
+        <p:nvSpPr>
+          <p:cNvPr id="15" name="TextBox 14">
+            <a:extLst>
+              <a:ext uri="{FF2B5EF4-FFF2-40B4-BE49-F238E27FC236}">
+                <a16:creationId xmlns:a16="http://schemas.microsoft.com/office/drawing/2014/main" id="{48870DC6-9D0E-4A72-A2BD-0657FD7E5229}"/>
+              </a:ext>
+            </a:extLst>
+          </p:cNvPr>
+          <p:cNvSpPr txBox="1"/>
+          <p:nvPr/>
+        </p:nvSpPr>
+        <p:spPr>
+          <a:xfrm>
+            <a:off x="8397373" y="6297562"/>
+            <a:ext cx="841897" cy="369332"/>
+          </a:xfrm>
+          <a:prstGeom prst="rect">
+            <a:avLst/>
+          </a:prstGeom>
+          <a:noFill/>
+        </p:spPr>
+        <p:txBody>
+          <a:bodyPr wrap="none" rtlCol="0">
+            <a:spAutoFit/>
+          </a:bodyPr>
+          <a:lstStyle/>
+          <a:p>
+            <a:r>
+              <a:rPr lang="en-US" b="1">
+                <a:solidFill>
+                  <a:srgbClr val="0070C0"/>
+                </a:solidFill>
+              </a:rPr>
+              <a:t>Future</a:t>
+            </a:r>
+          </a:p>
+        </p:txBody>
+      </p:sp>
+      <p:sp>
+        <p:nvSpPr>
+          <p:cNvPr id="16" name="TextBox 15">
+            <a:extLst>
+              <a:ext uri="{FF2B5EF4-FFF2-40B4-BE49-F238E27FC236}">
+                <a16:creationId xmlns:a16="http://schemas.microsoft.com/office/drawing/2014/main" id="{191800A1-B5B9-4A6E-A85C-D488DB393EEB}"/>
+              </a:ext>
+            </a:extLst>
+          </p:cNvPr>
+          <p:cNvSpPr txBox="1"/>
+          <p:nvPr/>
+        </p:nvSpPr>
+        <p:spPr>
+          <a:xfrm>
+            <a:off x="10056404" y="6289045"/>
+            <a:ext cx="2068195" cy="369332"/>
+          </a:xfrm>
+          <a:prstGeom prst="rect">
+            <a:avLst/>
+          </a:prstGeom>
+          <a:noFill/>
+        </p:spPr>
+        <p:txBody>
+          <a:bodyPr wrap="none" rtlCol="0">
+            <a:spAutoFit/>
+          </a:bodyPr>
+          <a:lstStyle/>
+          <a:p>
+            <a:r>
+              <a:rPr lang="en-US" b="1">
+                <a:solidFill>
+                  <a:srgbClr val="0070C0"/>
+                </a:solidFill>
+              </a:rPr>
+              <a:t>Acknowledgement</a:t>
+            </a:r>
+          </a:p>
+        </p:txBody>
+      </p:sp>
+      <p:sp>
+        <p:nvSpPr>
+          <p:cNvPr id="17" name="Date Placeholder 16">
+            <a:extLst>
+              <a:ext uri="{FF2B5EF4-FFF2-40B4-BE49-F238E27FC236}">
+                <a16:creationId xmlns:a16="http://schemas.microsoft.com/office/drawing/2014/main" id="{733C28B6-F4F5-4554-9D8C-4CA263FA42B3}"/>
+              </a:ext>
+            </a:extLst>
+          </p:cNvPr>
+          <p:cNvSpPr>
+            <a:spLocks noGrp="1"/>
+          </p:cNvSpPr>
+          <p:nvPr>
+            <p:ph type="dt" sz="half" idx="10"/>
+          </p:nvPr>
+        </p:nvSpPr>
+        <p:spPr/>
+        <p:txBody>
+          <a:bodyPr/>
+          <a:lstStyle/>
+          <a:p>
+            <a:fld id="{4C0F06DE-5CB4-4888-9234-DB63DBBB4662}" type="datetime1">
+              <a:rPr lang="en-US" smtClean="0"/>
+              <a:t>8/6/2018</a:t>
+            </a:fld>
+            <a:endParaRPr lang="en-US" dirty="0"/>
+          </a:p>
+        </p:txBody>
+      </p:sp>
+      <p:sp>
+        <p:nvSpPr>
+          <p:cNvPr id="18" name="Slide Number Placeholder 17">
+            <a:extLst>
+              <a:ext uri="{FF2B5EF4-FFF2-40B4-BE49-F238E27FC236}">
+                <a16:creationId xmlns:a16="http://schemas.microsoft.com/office/drawing/2014/main" id="{E307B39B-FDEB-45E2-B367-2BC853DC2483}"/>
+              </a:ext>
+            </a:extLst>
+          </p:cNvPr>
+          <p:cNvSpPr>
+            <a:spLocks noGrp="1"/>
+          </p:cNvSpPr>
+          <p:nvPr>
+            <p:ph type="sldNum" sz="quarter" idx="12"/>
+          </p:nvPr>
+        </p:nvSpPr>
+        <p:spPr/>
+        <p:txBody>
+          <a:bodyPr/>
+          <a:lstStyle/>
+          <a:p>
+            <a:fld id="{4FAB73BC-B049-4115-A692-8D63A059BFB8}" type="slidenum">
+              <a:rPr lang="en-US" smtClean="0"/>
+              <a:pPr/>
+              <a:t>20</a:t>
+            </a:fld>
+            <a:endParaRPr lang="en-US" dirty="0"/>
+          </a:p>
+        </p:txBody>
+      </p:sp>
+    </p:spTree>
+    <p:extLst>
+      <p:ext uri="{BB962C8B-B14F-4D97-AF65-F5344CB8AC3E}">
+        <p14:creationId xmlns:p14="http://schemas.microsoft.com/office/powerpoint/2010/main" val="3030032666"/>
+      </p:ext>
+    </p:extLst>
+  </p:cSld>
+  <p:clrMapOvr>
+    <a:masterClrMapping/>
+  </p:clrMapOvr>
+</p:sld>
+</file>
+
+<file path=ppt/slides/slide21.xml><?xml version="1.0" encoding="utf-8"?>
+<p:sld xmlns:a="http://schemas.openxmlformats.org/drawingml/2006/main" xmlns:r="http://schemas.openxmlformats.org/officeDocument/2006/relationships" xmlns:p="http://schemas.openxmlformats.org/presentationml/2006/main">
+  <p:cSld>
+    <p:spTree>
+      <p:nvGrpSpPr>
+        <p:cNvPr id="1" name=""/>
+        <p:cNvGrpSpPr/>
+        <p:nvPr/>
+      </p:nvGrpSpPr>
+      <p:grpSpPr>
+        <a:xfrm>
+          <a:off x="0" y="0"/>
+          <a:ext cx="0" cy="0"/>
+          <a:chOff x="0" y="0"/>
+          <a:chExt cx="0" cy="0"/>
+        </a:xfrm>
+      </p:grpSpPr>
       <p:pic>
         <p:nvPicPr>
           <p:cNvPr id="3" name="Picture 2">
@@ -23400,36 +24213,6 @@
           <a:xfrm>
             <a:off x="773264" y="0"/>
             <a:ext cx="10645470" cy="6858000"/>
-          </a:xfrm>
-          <a:prstGeom prst="rect">
-            <a:avLst/>
-          </a:prstGeom>
-        </p:spPr>
-      </p:pic>
-      <p:pic>
-        <p:nvPicPr>
-          <p:cNvPr id="5" name="Picture 4">
-            <a:extLst>
-              <a:ext uri="{FF2B5EF4-FFF2-40B4-BE49-F238E27FC236}">
-                <a16:creationId xmlns:a16="http://schemas.microsoft.com/office/drawing/2014/main" id="{2639E723-043F-4302-A630-033C591D51AA}"/>
-              </a:ext>
-            </a:extLst>
-          </p:cNvPr>
-          <p:cNvPicPr>
-            <a:picLocks noChangeAspect="1"/>
-          </p:cNvPicPr>
-          <p:nvPr/>
-        </p:nvPicPr>
-        <p:blipFill>
-          <a:blip r:embed="rId3"/>
-          <a:stretch>
-            <a:fillRect/>
-          </a:stretch>
-        </p:blipFill>
-        <p:spPr>
-          <a:xfrm>
-            <a:off x="771292" y="0"/>
-            <a:ext cx="10649415" cy="6858000"/>
           </a:xfrm>
           <a:prstGeom prst="rect">
             <a:avLst/>
@@ -23537,7 +24320,7 @@
             <a:fld id="{4FAB73BC-B049-4115-A692-8D63A059BFB8}" type="slidenum">
               <a:rPr lang="en-US" smtClean="0"/>
               <a:pPr/>
-              <a:t>20</a:t>
+              <a:t>21</a:t>
             </a:fld>
             <a:endParaRPr lang="en-US" dirty="0"/>
           </a:p>
@@ -23574,7 +24357,7 @@
                             </p:stCondLst>
                             <p:childTnLst>
                               <p:par>
-                                <p:cTn id="5" presetID="10" presetClass="entr" presetSubtype="0" fill="hold" nodeType="clickEffect">
+                                <p:cTn id="5" presetID="10" presetClass="entr" presetSubtype="0" fill="hold" grpId="0" nodeType="clickEffect">
                                   <p:stCondLst>
                                     <p:cond delay="0"/>
                                   </p:stCondLst>
@@ -23582,59 +24365,6 @@
                                     <p:set>
                                       <p:cBhvr>
                                         <p:cTn id="6" dur="1" fill="hold">
-                                          <p:stCondLst>
-                                            <p:cond delay="0"/>
-                                          </p:stCondLst>
-                                        </p:cTn>
-                                        <p:tgtEl>
-                                          <p:spTgt spid="5"/>
-                                        </p:tgtEl>
-                                        <p:attrNameLst>
-                                          <p:attrName>style.visibility</p:attrName>
-                                        </p:attrNameLst>
-                                      </p:cBhvr>
-                                      <p:to>
-                                        <p:strVal val="visible"/>
-                                      </p:to>
-                                    </p:set>
-                                    <p:animEffect transition="in" filter="fade">
-                                      <p:cBhvr>
-                                        <p:cTn id="7" dur="500"/>
-                                        <p:tgtEl>
-                                          <p:spTgt spid="5"/>
-                                        </p:tgtEl>
-                                      </p:cBhvr>
-                                    </p:animEffect>
-                                  </p:childTnLst>
-                                </p:cTn>
-                              </p:par>
-                            </p:childTnLst>
-                          </p:cTn>
-                        </p:par>
-                      </p:childTnLst>
-                    </p:cTn>
-                  </p:par>
-                  <p:par>
-                    <p:cTn id="8" fill="hold">
-                      <p:stCondLst>
-                        <p:cond delay="indefinite"/>
-                      </p:stCondLst>
-                      <p:childTnLst>
-                        <p:par>
-                          <p:cTn id="9" fill="hold">
-                            <p:stCondLst>
-                              <p:cond delay="0"/>
-                            </p:stCondLst>
-                            <p:childTnLst>
-                              <p:par>
-                                <p:cTn id="10" presetID="10" presetClass="entr" presetSubtype="0" fill="hold" grpId="0" nodeType="clickEffect">
-                                  <p:stCondLst>
-                                    <p:cond delay="0"/>
-                                  </p:stCondLst>
-                                  <p:childTnLst>
-                                    <p:set>
-                                      <p:cBhvr>
-                                        <p:cTn id="11" dur="1" fill="hold">
                                           <p:stCondLst>
                                             <p:cond delay="0"/>
                                           </p:stCondLst>
@@ -23652,7 +24382,7 @@
                                     </p:set>
                                     <p:animEffect transition="in" filter="fade">
                                       <p:cBhvr>
-                                        <p:cTn id="12" dur="500"/>
+                                        <p:cTn id="7" dur="500"/>
                                         <p:tgtEl>
                                           <p:spTgt spid="6"/>
                                         </p:tgtEl>
